--- a/mi_sca_workshop.pptx
+++ b/mi_sca_workshop.pptx
@@ -44744,14 +44744,14 @@
             </a:extLst>
           </p:cNvPr>
           <p:cNvCxnSpPr>
-            <a:endCxn id="2054" idx="1"/>
+            <a:cxnSpLocks/>
           </p:cNvCxnSpPr>
           <p:nvPr/>
         </p:nvCxnSpPr>
         <p:spPr>
-          <a:xfrm flipV="1">
-            <a:off x="5897794" y="930726"/>
-            <a:ext cx="672525" cy="461764"/>
+          <a:xfrm>
+            <a:off x="5897794" y="954251"/>
+            <a:ext cx="701363" cy="0"/>
           </a:xfrm>
           <a:prstGeom prst="straightConnector1">
             <a:avLst/>
